--- a/docs/Mastering Spartan for Serverless Development.pptx
+++ b/docs/Mastering Spartan for Serverless Development.pptx
@@ -3980,8 +3980,8 @@
         </p:nvSpPr>
         <p:spPr>
           <a:xfrm>
-            <a:off x="838200" y="2766219"/>
-            <a:ext cx="10515600" cy="1325563"/>
+            <a:off x="838200" y="2609712"/>
+            <a:ext cx="10515600" cy="1638576"/>
           </a:xfrm>
         </p:spPr>
         <p:txBody>
@@ -4018,6 +4018,14 @@
               </a:rPr>
               <a:t>` Command</a:t>
             </a:r>
+            <a:br>
+              <a:rPr lang="en-US" sz="4800" b="1" dirty="0">
+                <a:solidFill>
+                  <a:srgbClr val="BBF6E2"/>
+                </a:solidFill>
+                <a:latin typeface="Sonoe"/>
+              </a:rPr>
+            </a:br>
             <a:br>
               <a:rPr lang="en-US" b="1" dirty="0">
                 <a:solidFill>
